--- a/ppt 16-9/0847.谁有一颗爱主心.pptx
+++ b/ppt 16-9/0847.谁有一颗爱主心.pptx
@@ -5,7 +5,7 @@
     <p:sldMasterId id="2147483648" r:id="rId1"/>
   </p:sldMasterIdLst>
   <p:sldIdLst>
-    <p:sldId id="2144" r:id="rId2"/>
+    <p:sldId id="2145" r:id="rId2"/>
   </p:sldIdLst>
   <p:sldSz cx="12192000" cy="6858000"/>
   <p:notesSz cx="6858000" cy="9144000"/>
@@ -129,7 +129,7 @@
           <p:cNvPr id="2" name="标题 1">
             <a:extLst>
               <a:ext uri="{FF2B5EF4-FFF2-40B4-BE49-F238E27FC236}">
-                <a16:creationId xmlns:a16="http://schemas.microsoft.com/office/drawing/2014/main" id="{ED4D0E08-C460-711F-6DB2-EF88D81BC115}"/>
+                <a16:creationId xmlns:a16="http://schemas.microsoft.com/office/drawing/2014/main" id="{90240984-A7A5-1D1C-E89F-13244C99A805}"/>
               </a:ext>
             </a:extLst>
           </p:cNvPr>
@@ -166,7 +166,7 @@
           <p:cNvPr id="3" name="副标题 2">
             <a:extLst>
               <a:ext uri="{FF2B5EF4-FFF2-40B4-BE49-F238E27FC236}">
-                <a16:creationId xmlns:a16="http://schemas.microsoft.com/office/drawing/2014/main" id="{28B40839-7442-818A-125D-ECFF093F890F}"/>
+                <a16:creationId xmlns:a16="http://schemas.microsoft.com/office/drawing/2014/main" id="{805A827A-1DF6-323E-9712-AFD8A00C4A06}"/>
               </a:ext>
             </a:extLst>
           </p:cNvPr>
@@ -236,7 +236,7 @@
           <p:cNvPr id="4" name="日期占位符 3">
             <a:extLst>
               <a:ext uri="{FF2B5EF4-FFF2-40B4-BE49-F238E27FC236}">
-                <a16:creationId xmlns:a16="http://schemas.microsoft.com/office/drawing/2014/main" id="{2FE3D3BD-E813-47EB-2943-A5972A058467}"/>
+                <a16:creationId xmlns:a16="http://schemas.microsoft.com/office/drawing/2014/main" id="{DB83FB41-FC84-3A7A-0284-A0FC40049693}"/>
               </a:ext>
             </a:extLst>
           </p:cNvPr>
@@ -252,7 +252,7 @@
           <a:bodyPr/>
           <a:lstStyle/>
           <a:p>
-            <a:fld id="{E485503D-1633-4986-A0CD-680B0D0723AE}" type="datetimeFigureOut">
+            <a:fld id="{47535CE9-3D6F-4B1F-8441-BEAF1630C3AE}" type="datetimeFigureOut">
               <a:rPr lang="zh-CN" altLang="en-US" smtClean="0"/>
               <a:t>2024/3/10</a:t>
             </a:fld>
@@ -265,7 +265,7 @@
           <p:cNvPr id="5" name="页脚占位符 4">
             <a:extLst>
               <a:ext uri="{FF2B5EF4-FFF2-40B4-BE49-F238E27FC236}">
-                <a16:creationId xmlns:a16="http://schemas.microsoft.com/office/drawing/2014/main" id="{FBA826A1-E54F-A377-2079-8113234608BD}"/>
+                <a16:creationId xmlns:a16="http://schemas.microsoft.com/office/drawing/2014/main" id="{1507E589-7AE0-AB92-14B2-05632D8C05D6}"/>
               </a:ext>
             </a:extLst>
           </p:cNvPr>
@@ -290,7 +290,7 @@
           <p:cNvPr id="6" name="灯片编号占位符 5">
             <a:extLst>
               <a:ext uri="{FF2B5EF4-FFF2-40B4-BE49-F238E27FC236}">
-                <a16:creationId xmlns:a16="http://schemas.microsoft.com/office/drawing/2014/main" id="{D809BF84-065A-DABA-314A-2AD511140E80}"/>
+                <a16:creationId xmlns:a16="http://schemas.microsoft.com/office/drawing/2014/main" id="{5836ED20-1431-FD18-1603-4D78CDFF452A}"/>
               </a:ext>
             </a:extLst>
           </p:cNvPr>
@@ -306,7 +306,7 @@
           <a:bodyPr/>
           <a:lstStyle/>
           <a:p>
-            <a:fld id="{526A03D8-10A9-4CAC-B534-20675579FF6E}" type="slidenum">
+            <a:fld id="{1089BB10-3108-4255-8EC1-D209B2A9CA99}" type="slidenum">
               <a:rPr lang="zh-CN" altLang="en-US" smtClean="0"/>
               <a:t>‹#›</a:t>
             </a:fld>
@@ -317,7 +317,7 @@
     </p:spTree>
     <p:extLst>
       <p:ext uri="{BB962C8B-B14F-4D97-AF65-F5344CB8AC3E}">
-        <p14:creationId xmlns:p14="http://schemas.microsoft.com/office/powerpoint/2010/main" val="2579443877"/>
+        <p14:creationId xmlns:p14="http://schemas.microsoft.com/office/powerpoint/2010/main" val="2733932453"/>
       </p:ext>
     </p:extLst>
   </p:cSld>
@@ -349,7 +349,7 @@
           <p:cNvPr id="2" name="标题 1">
             <a:extLst>
               <a:ext uri="{FF2B5EF4-FFF2-40B4-BE49-F238E27FC236}">
-                <a16:creationId xmlns:a16="http://schemas.microsoft.com/office/drawing/2014/main" id="{10AB7390-C6CB-441C-51A4-1C10EB903368}"/>
+                <a16:creationId xmlns:a16="http://schemas.microsoft.com/office/drawing/2014/main" id="{124560F8-1B6F-C30B-AF46-76B3DA389F16}"/>
               </a:ext>
             </a:extLst>
           </p:cNvPr>
@@ -377,7 +377,7 @@
           <p:cNvPr id="3" name="竖排文字占位符 2">
             <a:extLst>
               <a:ext uri="{FF2B5EF4-FFF2-40B4-BE49-F238E27FC236}">
-                <a16:creationId xmlns:a16="http://schemas.microsoft.com/office/drawing/2014/main" id="{28DE86EF-1AFC-94BF-FCD8-BC64CE58D207}"/>
+                <a16:creationId xmlns:a16="http://schemas.microsoft.com/office/drawing/2014/main" id="{D0C97B64-2ECC-26C5-F150-A083130C6C92}"/>
               </a:ext>
             </a:extLst>
           </p:cNvPr>
@@ -434,7 +434,7 @@
           <p:cNvPr id="4" name="日期占位符 3">
             <a:extLst>
               <a:ext uri="{FF2B5EF4-FFF2-40B4-BE49-F238E27FC236}">
-                <a16:creationId xmlns:a16="http://schemas.microsoft.com/office/drawing/2014/main" id="{6E87E4DC-D335-3AE1-90AA-F02F4828109C}"/>
+                <a16:creationId xmlns:a16="http://schemas.microsoft.com/office/drawing/2014/main" id="{65F49B71-1D0B-FE99-8A19-DED11636EF18}"/>
               </a:ext>
             </a:extLst>
           </p:cNvPr>
@@ -450,7 +450,7 @@
           <a:bodyPr/>
           <a:lstStyle/>
           <a:p>
-            <a:fld id="{E485503D-1633-4986-A0CD-680B0D0723AE}" type="datetimeFigureOut">
+            <a:fld id="{47535CE9-3D6F-4B1F-8441-BEAF1630C3AE}" type="datetimeFigureOut">
               <a:rPr lang="zh-CN" altLang="en-US" smtClean="0"/>
               <a:t>2024/3/10</a:t>
             </a:fld>
@@ -463,7 +463,7 @@
           <p:cNvPr id="5" name="页脚占位符 4">
             <a:extLst>
               <a:ext uri="{FF2B5EF4-FFF2-40B4-BE49-F238E27FC236}">
-                <a16:creationId xmlns:a16="http://schemas.microsoft.com/office/drawing/2014/main" id="{E8A24CB9-38BF-4A7D-292C-7762BFB4C9FD}"/>
+                <a16:creationId xmlns:a16="http://schemas.microsoft.com/office/drawing/2014/main" id="{596B3633-43C6-FC97-ED1D-7D9B11C2DF9A}"/>
               </a:ext>
             </a:extLst>
           </p:cNvPr>
@@ -488,7 +488,7 @@
           <p:cNvPr id="6" name="灯片编号占位符 5">
             <a:extLst>
               <a:ext uri="{FF2B5EF4-FFF2-40B4-BE49-F238E27FC236}">
-                <a16:creationId xmlns:a16="http://schemas.microsoft.com/office/drawing/2014/main" id="{6CF094B0-8C0A-5667-F9A7-FEB5F8A214D4}"/>
+                <a16:creationId xmlns:a16="http://schemas.microsoft.com/office/drawing/2014/main" id="{E32BD1D8-1E44-3AE9-FB9E-893185B05EEA}"/>
               </a:ext>
             </a:extLst>
           </p:cNvPr>
@@ -504,7 +504,7 @@
           <a:bodyPr/>
           <a:lstStyle/>
           <a:p>
-            <a:fld id="{526A03D8-10A9-4CAC-B534-20675579FF6E}" type="slidenum">
+            <a:fld id="{1089BB10-3108-4255-8EC1-D209B2A9CA99}" type="slidenum">
               <a:rPr lang="zh-CN" altLang="en-US" smtClean="0"/>
               <a:t>‹#›</a:t>
             </a:fld>
@@ -515,7 +515,7 @@
     </p:spTree>
     <p:extLst>
       <p:ext uri="{BB962C8B-B14F-4D97-AF65-F5344CB8AC3E}">
-        <p14:creationId xmlns:p14="http://schemas.microsoft.com/office/powerpoint/2010/main" val="4209859826"/>
+        <p14:creationId xmlns:p14="http://schemas.microsoft.com/office/powerpoint/2010/main" val="2538121499"/>
       </p:ext>
     </p:extLst>
   </p:cSld>
@@ -547,7 +547,7 @@
           <p:cNvPr id="2" name="竖排标题 1">
             <a:extLst>
               <a:ext uri="{FF2B5EF4-FFF2-40B4-BE49-F238E27FC236}">
-                <a16:creationId xmlns:a16="http://schemas.microsoft.com/office/drawing/2014/main" id="{C26B8BF4-561D-F6C9-2A04-0E4D205C8E9C}"/>
+                <a16:creationId xmlns:a16="http://schemas.microsoft.com/office/drawing/2014/main" id="{A3E1EAF7-A123-4D4F-AB85-A5E20C9357E2}"/>
               </a:ext>
             </a:extLst>
           </p:cNvPr>
@@ -580,7 +580,7 @@
           <p:cNvPr id="3" name="竖排文字占位符 2">
             <a:extLst>
               <a:ext uri="{FF2B5EF4-FFF2-40B4-BE49-F238E27FC236}">
-                <a16:creationId xmlns:a16="http://schemas.microsoft.com/office/drawing/2014/main" id="{1BA4CB22-096C-6E31-7EEC-22C5BA0E039E}"/>
+                <a16:creationId xmlns:a16="http://schemas.microsoft.com/office/drawing/2014/main" id="{C383355D-DCE6-D705-1340-C8CDE76E7F48}"/>
               </a:ext>
             </a:extLst>
           </p:cNvPr>
@@ -642,7 +642,7 @@
           <p:cNvPr id="4" name="日期占位符 3">
             <a:extLst>
               <a:ext uri="{FF2B5EF4-FFF2-40B4-BE49-F238E27FC236}">
-                <a16:creationId xmlns:a16="http://schemas.microsoft.com/office/drawing/2014/main" id="{7768A4BB-A1C0-8EF4-9C19-34C885757F58}"/>
+                <a16:creationId xmlns:a16="http://schemas.microsoft.com/office/drawing/2014/main" id="{605DB30C-7836-09C0-A12A-5530EA9E24EF}"/>
               </a:ext>
             </a:extLst>
           </p:cNvPr>
@@ -658,7 +658,7 @@
           <a:bodyPr/>
           <a:lstStyle/>
           <a:p>
-            <a:fld id="{E485503D-1633-4986-A0CD-680B0D0723AE}" type="datetimeFigureOut">
+            <a:fld id="{47535CE9-3D6F-4B1F-8441-BEAF1630C3AE}" type="datetimeFigureOut">
               <a:rPr lang="zh-CN" altLang="en-US" smtClean="0"/>
               <a:t>2024/3/10</a:t>
             </a:fld>
@@ -671,7 +671,7 @@
           <p:cNvPr id="5" name="页脚占位符 4">
             <a:extLst>
               <a:ext uri="{FF2B5EF4-FFF2-40B4-BE49-F238E27FC236}">
-                <a16:creationId xmlns:a16="http://schemas.microsoft.com/office/drawing/2014/main" id="{827246F4-01C2-A1BA-E053-10601C970360}"/>
+                <a16:creationId xmlns:a16="http://schemas.microsoft.com/office/drawing/2014/main" id="{85D8E80C-7248-CB0B-71DE-6C62E2A5554E}"/>
               </a:ext>
             </a:extLst>
           </p:cNvPr>
@@ -696,7 +696,7 @@
           <p:cNvPr id="6" name="灯片编号占位符 5">
             <a:extLst>
               <a:ext uri="{FF2B5EF4-FFF2-40B4-BE49-F238E27FC236}">
-                <a16:creationId xmlns:a16="http://schemas.microsoft.com/office/drawing/2014/main" id="{D7504296-93E4-BBE6-23EC-D79DD43EE82A}"/>
+                <a16:creationId xmlns:a16="http://schemas.microsoft.com/office/drawing/2014/main" id="{0891EF8B-E090-7305-503E-71D49A83EDA7}"/>
               </a:ext>
             </a:extLst>
           </p:cNvPr>
@@ -712,7 +712,7 @@
           <a:bodyPr/>
           <a:lstStyle/>
           <a:p>
-            <a:fld id="{526A03D8-10A9-4CAC-B534-20675579FF6E}" type="slidenum">
+            <a:fld id="{1089BB10-3108-4255-8EC1-D209B2A9CA99}" type="slidenum">
               <a:rPr lang="zh-CN" altLang="en-US" smtClean="0"/>
               <a:t>‹#›</a:t>
             </a:fld>
@@ -723,7 +723,7 @@
     </p:spTree>
     <p:extLst>
       <p:ext uri="{BB962C8B-B14F-4D97-AF65-F5344CB8AC3E}">
-        <p14:creationId xmlns:p14="http://schemas.microsoft.com/office/powerpoint/2010/main" val="1900084681"/>
+        <p14:creationId xmlns:p14="http://schemas.microsoft.com/office/powerpoint/2010/main" val="3717954643"/>
       </p:ext>
     </p:extLst>
   </p:cSld>
@@ -755,7 +755,7 @@
           <p:cNvPr id="2" name="标题 1">
             <a:extLst>
               <a:ext uri="{FF2B5EF4-FFF2-40B4-BE49-F238E27FC236}">
-                <a16:creationId xmlns:a16="http://schemas.microsoft.com/office/drawing/2014/main" id="{F47025CC-3E3A-E780-AB69-AB70B557275F}"/>
+                <a16:creationId xmlns:a16="http://schemas.microsoft.com/office/drawing/2014/main" id="{0C88C1B2-C929-861A-3920-6B2582BFFCF1}"/>
               </a:ext>
             </a:extLst>
           </p:cNvPr>
@@ -783,7 +783,7 @@
           <p:cNvPr id="3" name="内容占位符 2">
             <a:extLst>
               <a:ext uri="{FF2B5EF4-FFF2-40B4-BE49-F238E27FC236}">
-                <a16:creationId xmlns:a16="http://schemas.microsoft.com/office/drawing/2014/main" id="{594AC31F-E549-0560-96E8-0FA35AE670E5}"/>
+                <a16:creationId xmlns:a16="http://schemas.microsoft.com/office/drawing/2014/main" id="{31CFCB9C-4E51-20DF-5788-FDF7C3E802C8}"/>
               </a:ext>
             </a:extLst>
           </p:cNvPr>
@@ -840,7 +840,7 @@
           <p:cNvPr id="4" name="日期占位符 3">
             <a:extLst>
               <a:ext uri="{FF2B5EF4-FFF2-40B4-BE49-F238E27FC236}">
-                <a16:creationId xmlns:a16="http://schemas.microsoft.com/office/drawing/2014/main" id="{F05C421B-5E28-48B2-8691-6AA6D557BB58}"/>
+                <a16:creationId xmlns:a16="http://schemas.microsoft.com/office/drawing/2014/main" id="{2D04B1DF-57F4-41FC-DE1B-A4A3AC04F45F}"/>
               </a:ext>
             </a:extLst>
           </p:cNvPr>
@@ -856,7 +856,7 @@
           <a:bodyPr/>
           <a:lstStyle/>
           <a:p>
-            <a:fld id="{E485503D-1633-4986-A0CD-680B0D0723AE}" type="datetimeFigureOut">
+            <a:fld id="{47535CE9-3D6F-4B1F-8441-BEAF1630C3AE}" type="datetimeFigureOut">
               <a:rPr lang="zh-CN" altLang="en-US" smtClean="0"/>
               <a:t>2024/3/10</a:t>
             </a:fld>
@@ -869,7 +869,7 @@
           <p:cNvPr id="5" name="页脚占位符 4">
             <a:extLst>
               <a:ext uri="{FF2B5EF4-FFF2-40B4-BE49-F238E27FC236}">
-                <a16:creationId xmlns:a16="http://schemas.microsoft.com/office/drawing/2014/main" id="{E17C5701-7A57-4F70-00D0-78062EC0C773}"/>
+                <a16:creationId xmlns:a16="http://schemas.microsoft.com/office/drawing/2014/main" id="{39BAD935-ED88-5EE5-C26E-F2D3FB205CDC}"/>
               </a:ext>
             </a:extLst>
           </p:cNvPr>
@@ -894,7 +894,7 @@
           <p:cNvPr id="6" name="灯片编号占位符 5">
             <a:extLst>
               <a:ext uri="{FF2B5EF4-FFF2-40B4-BE49-F238E27FC236}">
-                <a16:creationId xmlns:a16="http://schemas.microsoft.com/office/drawing/2014/main" id="{BF5FFC90-B3ED-C6AC-A61A-C4BEE5F355F0}"/>
+                <a16:creationId xmlns:a16="http://schemas.microsoft.com/office/drawing/2014/main" id="{1D836083-F934-4718-C0A5-82E13BE4CEB7}"/>
               </a:ext>
             </a:extLst>
           </p:cNvPr>
@@ -910,7 +910,7 @@
           <a:bodyPr/>
           <a:lstStyle/>
           <a:p>
-            <a:fld id="{526A03D8-10A9-4CAC-B534-20675579FF6E}" type="slidenum">
+            <a:fld id="{1089BB10-3108-4255-8EC1-D209B2A9CA99}" type="slidenum">
               <a:rPr lang="zh-CN" altLang="en-US" smtClean="0"/>
               <a:t>‹#›</a:t>
             </a:fld>
@@ -921,7 +921,7 @@
     </p:spTree>
     <p:extLst>
       <p:ext uri="{BB962C8B-B14F-4D97-AF65-F5344CB8AC3E}">
-        <p14:creationId xmlns:p14="http://schemas.microsoft.com/office/powerpoint/2010/main" val="1162261718"/>
+        <p14:creationId xmlns:p14="http://schemas.microsoft.com/office/powerpoint/2010/main" val="3788847202"/>
       </p:ext>
     </p:extLst>
   </p:cSld>
@@ -953,7 +953,7 @@
           <p:cNvPr id="2" name="标题 1">
             <a:extLst>
               <a:ext uri="{FF2B5EF4-FFF2-40B4-BE49-F238E27FC236}">
-                <a16:creationId xmlns:a16="http://schemas.microsoft.com/office/drawing/2014/main" id="{74E18455-71DD-C743-F81B-72397A9D119E}"/>
+                <a16:creationId xmlns:a16="http://schemas.microsoft.com/office/drawing/2014/main" id="{419B5D97-9314-AF20-6F5E-1F218CC800A4}"/>
               </a:ext>
             </a:extLst>
           </p:cNvPr>
@@ -990,7 +990,7 @@
           <p:cNvPr id="3" name="文本占位符 2">
             <a:extLst>
               <a:ext uri="{FF2B5EF4-FFF2-40B4-BE49-F238E27FC236}">
-                <a16:creationId xmlns:a16="http://schemas.microsoft.com/office/drawing/2014/main" id="{67C8304D-F647-1E6B-32F2-6D4616FB10FD}"/>
+                <a16:creationId xmlns:a16="http://schemas.microsoft.com/office/drawing/2014/main" id="{3AE3729D-5F46-1502-AF9E-A8CC91691826}"/>
               </a:ext>
             </a:extLst>
           </p:cNvPr>
@@ -1115,7 +1115,7 @@
           <p:cNvPr id="4" name="日期占位符 3">
             <a:extLst>
               <a:ext uri="{FF2B5EF4-FFF2-40B4-BE49-F238E27FC236}">
-                <a16:creationId xmlns:a16="http://schemas.microsoft.com/office/drawing/2014/main" id="{8158D152-B2A8-CF38-DC16-D462D7737E17}"/>
+                <a16:creationId xmlns:a16="http://schemas.microsoft.com/office/drawing/2014/main" id="{411936FF-4F15-9164-F27D-0C09D1F37C4E}"/>
               </a:ext>
             </a:extLst>
           </p:cNvPr>
@@ -1131,7 +1131,7 @@
           <a:bodyPr/>
           <a:lstStyle/>
           <a:p>
-            <a:fld id="{E485503D-1633-4986-A0CD-680B0D0723AE}" type="datetimeFigureOut">
+            <a:fld id="{47535CE9-3D6F-4B1F-8441-BEAF1630C3AE}" type="datetimeFigureOut">
               <a:rPr lang="zh-CN" altLang="en-US" smtClean="0"/>
               <a:t>2024/3/10</a:t>
             </a:fld>
@@ -1144,7 +1144,7 @@
           <p:cNvPr id="5" name="页脚占位符 4">
             <a:extLst>
               <a:ext uri="{FF2B5EF4-FFF2-40B4-BE49-F238E27FC236}">
-                <a16:creationId xmlns:a16="http://schemas.microsoft.com/office/drawing/2014/main" id="{765F2F90-CB76-563D-9451-F6697E8DA135}"/>
+                <a16:creationId xmlns:a16="http://schemas.microsoft.com/office/drawing/2014/main" id="{D3A2325E-7B4C-9A80-5BC1-DDA27D7A7291}"/>
               </a:ext>
             </a:extLst>
           </p:cNvPr>
@@ -1169,7 +1169,7 @@
           <p:cNvPr id="6" name="灯片编号占位符 5">
             <a:extLst>
               <a:ext uri="{FF2B5EF4-FFF2-40B4-BE49-F238E27FC236}">
-                <a16:creationId xmlns:a16="http://schemas.microsoft.com/office/drawing/2014/main" id="{39B232A6-70C6-94F2-0E28-FB9144B73025}"/>
+                <a16:creationId xmlns:a16="http://schemas.microsoft.com/office/drawing/2014/main" id="{8EFCDBD6-3D41-4C9E-622E-B26DE55AAE7B}"/>
               </a:ext>
             </a:extLst>
           </p:cNvPr>
@@ -1185,7 +1185,7 @@
           <a:bodyPr/>
           <a:lstStyle/>
           <a:p>
-            <a:fld id="{526A03D8-10A9-4CAC-B534-20675579FF6E}" type="slidenum">
+            <a:fld id="{1089BB10-3108-4255-8EC1-D209B2A9CA99}" type="slidenum">
               <a:rPr lang="zh-CN" altLang="en-US" smtClean="0"/>
               <a:t>‹#›</a:t>
             </a:fld>
@@ -1196,7 +1196,7 @@
     </p:spTree>
     <p:extLst>
       <p:ext uri="{BB962C8B-B14F-4D97-AF65-F5344CB8AC3E}">
-        <p14:creationId xmlns:p14="http://schemas.microsoft.com/office/powerpoint/2010/main" val="1929819467"/>
+        <p14:creationId xmlns:p14="http://schemas.microsoft.com/office/powerpoint/2010/main" val="4152820664"/>
       </p:ext>
     </p:extLst>
   </p:cSld>
@@ -1228,7 +1228,7 @@
           <p:cNvPr id="2" name="标题 1">
             <a:extLst>
               <a:ext uri="{FF2B5EF4-FFF2-40B4-BE49-F238E27FC236}">
-                <a16:creationId xmlns:a16="http://schemas.microsoft.com/office/drawing/2014/main" id="{02B2E7A9-9AA5-47E4-2C9A-652FDF1C7F52}"/>
+                <a16:creationId xmlns:a16="http://schemas.microsoft.com/office/drawing/2014/main" id="{D1F67CC6-CA73-1EE0-F4A8-64080965E598}"/>
               </a:ext>
             </a:extLst>
           </p:cNvPr>
@@ -1256,7 +1256,7 @@
           <p:cNvPr id="3" name="内容占位符 2">
             <a:extLst>
               <a:ext uri="{FF2B5EF4-FFF2-40B4-BE49-F238E27FC236}">
-                <a16:creationId xmlns:a16="http://schemas.microsoft.com/office/drawing/2014/main" id="{84F5556B-04EC-C921-F7E2-F97C75904618}"/>
+                <a16:creationId xmlns:a16="http://schemas.microsoft.com/office/drawing/2014/main" id="{078A7D88-EA5E-67B7-BEE0-31826EDC1A4C}"/>
               </a:ext>
             </a:extLst>
           </p:cNvPr>
@@ -1318,7 +1318,7 @@
           <p:cNvPr id="4" name="内容占位符 3">
             <a:extLst>
               <a:ext uri="{FF2B5EF4-FFF2-40B4-BE49-F238E27FC236}">
-                <a16:creationId xmlns:a16="http://schemas.microsoft.com/office/drawing/2014/main" id="{0371429D-F418-B253-E74A-9E78E7C33A95}"/>
+                <a16:creationId xmlns:a16="http://schemas.microsoft.com/office/drawing/2014/main" id="{CDEBDC19-3356-12FB-7B60-6C1C4D22A01D}"/>
               </a:ext>
             </a:extLst>
           </p:cNvPr>
@@ -1380,7 +1380,7 @@
           <p:cNvPr id="5" name="日期占位符 4">
             <a:extLst>
               <a:ext uri="{FF2B5EF4-FFF2-40B4-BE49-F238E27FC236}">
-                <a16:creationId xmlns:a16="http://schemas.microsoft.com/office/drawing/2014/main" id="{1F1AFDB1-96FE-6DC8-ED8F-14D157B4846C}"/>
+                <a16:creationId xmlns:a16="http://schemas.microsoft.com/office/drawing/2014/main" id="{B61E97EE-6C41-909C-CA33-3F86E7D34E4D}"/>
               </a:ext>
             </a:extLst>
           </p:cNvPr>
@@ -1396,7 +1396,7 @@
           <a:bodyPr/>
           <a:lstStyle/>
           <a:p>
-            <a:fld id="{E485503D-1633-4986-A0CD-680B0D0723AE}" type="datetimeFigureOut">
+            <a:fld id="{47535CE9-3D6F-4B1F-8441-BEAF1630C3AE}" type="datetimeFigureOut">
               <a:rPr lang="zh-CN" altLang="en-US" smtClean="0"/>
               <a:t>2024/3/10</a:t>
             </a:fld>
@@ -1409,7 +1409,7 @@
           <p:cNvPr id="6" name="页脚占位符 5">
             <a:extLst>
               <a:ext uri="{FF2B5EF4-FFF2-40B4-BE49-F238E27FC236}">
-                <a16:creationId xmlns:a16="http://schemas.microsoft.com/office/drawing/2014/main" id="{3BD1C284-7659-5766-8EC8-95D3D27C1CCF}"/>
+                <a16:creationId xmlns:a16="http://schemas.microsoft.com/office/drawing/2014/main" id="{8F1AAD08-7541-5C4E-19A6-BB6B56FF854C}"/>
               </a:ext>
             </a:extLst>
           </p:cNvPr>
@@ -1434,7 +1434,7 @@
           <p:cNvPr id="7" name="灯片编号占位符 6">
             <a:extLst>
               <a:ext uri="{FF2B5EF4-FFF2-40B4-BE49-F238E27FC236}">
-                <a16:creationId xmlns:a16="http://schemas.microsoft.com/office/drawing/2014/main" id="{2814B832-D1B8-E815-ABE1-708FA6FA2475}"/>
+                <a16:creationId xmlns:a16="http://schemas.microsoft.com/office/drawing/2014/main" id="{7AA727FF-184D-1132-CE3D-C444D7ECA8E8}"/>
               </a:ext>
             </a:extLst>
           </p:cNvPr>
@@ -1450,7 +1450,7 @@
           <a:bodyPr/>
           <a:lstStyle/>
           <a:p>
-            <a:fld id="{526A03D8-10A9-4CAC-B534-20675579FF6E}" type="slidenum">
+            <a:fld id="{1089BB10-3108-4255-8EC1-D209B2A9CA99}" type="slidenum">
               <a:rPr lang="zh-CN" altLang="en-US" smtClean="0"/>
               <a:t>‹#›</a:t>
             </a:fld>
@@ -1461,7 +1461,7 @@
     </p:spTree>
     <p:extLst>
       <p:ext uri="{BB962C8B-B14F-4D97-AF65-F5344CB8AC3E}">
-        <p14:creationId xmlns:p14="http://schemas.microsoft.com/office/powerpoint/2010/main" val="2653169683"/>
+        <p14:creationId xmlns:p14="http://schemas.microsoft.com/office/powerpoint/2010/main" val="4051439591"/>
       </p:ext>
     </p:extLst>
   </p:cSld>
@@ -1493,7 +1493,7 @@
           <p:cNvPr id="2" name="标题 1">
             <a:extLst>
               <a:ext uri="{FF2B5EF4-FFF2-40B4-BE49-F238E27FC236}">
-                <a16:creationId xmlns:a16="http://schemas.microsoft.com/office/drawing/2014/main" id="{864C90DF-9EF1-014C-54EF-44D9F42C7F7A}"/>
+                <a16:creationId xmlns:a16="http://schemas.microsoft.com/office/drawing/2014/main" id="{0FF0C52B-6C61-A6D7-E1D7-DB0EABC6FEAA}"/>
               </a:ext>
             </a:extLst>
           </p:cNvPr>
@@ -1526,7 +1526,7 @@
           <p:cNvPr id="3" name="文本占位符 2">
             <a:extLst>
               <a:ext uri="{FF2B5EF4-FFF2-40B4-BE49-F238E27FC236}">
-                <a16:creationId xmlns:a16="http://schemas.microsoft.com/office/drawing/2014/main" id="{554F1E14-AD1E-BC91-C78F-8E61A55A0DE2}"/>
+                <a16:creationId xmlns:a16="http://schemas.microsoft.com/office/drawing/2014/main" id="{7B688D51-91A3-8A2B-1280-98711BC3D7C4}"/>
               </a:ext>
             </a:extLst>
           </p:cNvPr>
@@ -1597,7 +1597,7 @@
           <p:cNvPr id="4" name="内容占位符 3">
             <a:extLst>
               <a:ext uri="{FF2B5EF4-FFF2-40B4-BE49-F238E27FC236}">
-                <a16:creationId xmlns:a16="http://schemas.microsoft.com/office/drawing/2014/main" id="{CAA2F301-D767-8F3B-CD0C-6AC787B6B0AC}"/>
+                <a16:creationId xmlns:a16="http://schemas.microsoft.com/office/drawing/2014/main" id="{845D7A9E-7C09-40DE-4B0B-6CFA020A7834}"/>
               </a:ext>
             </a:extLst>
           </p:cNvPr>
@@ -1659,7 +1659,7 @@
           <p:cNvPr id="5" name="文本占位符 4">
             <a:extLst>
               <a:ext uri="{FF2B5EF4-FFF2-40B4-BE49-F238E27FC236}">
-                <a16:creationId xmlns:a16="http://schemas.microsoft.com/office/drawing/2014/main" id="{9652BF00-8054-4946-CFF4-4F5BD6483FFD}"/>
+                <a16:creationId xmlns:a16="http://schemas.microsoft.com/office/drawing/2014/main" id="{1915CA93-1002-4A64-4358-C4E9BC985ECE}"/>
               </a:ext>
             </a:extLst>
           </p:cNvPr>
@@ -1730,7 +1730,7 @@
           <p:cNvPr id="6" name="内容占位符 5">
             <a:extLst>
               <a:ext uri="{FF2B5EF4-FFF2-40B4-BE49-F238E27FC236}">
-                <a16:creationId xmlns:a16="http://schemas.microsoft.com/office/drawing/2014/main" id="{1BD2C995-A295-F6F9-5E07-241309622875}"/>
+                <a16:creationId xmlns:a16="http://schemas.microsoft.com/office/drawing/2014/main" id="{14B563FB-0566-D7E4-0BEF-C0560EEB6915}"/>
               </a:ext>
             </a:extLst>
           </p:cNvPr>
@@ -1792,7 +1792,7 @@
           <p:cNvPr id="7" name="日期占位符 6">
             <a:extLst>
               <a:ext uri="{FF2B5EF4-FFF2-40B4-BE49-F238E27FC236}">
-                <a16:creationId xmlns:a16="http://schemas.microsoft.com/office/drawing/2014/main" id="{F33551AE-3C21-6914-4406-3445395B8A9C}"/>
+                <a16:creationId xmlns:a16="http://schemas.microsoft.com/office/drawing/2014/main" id="{428908E8-B2FE-8B58-A1DC-B064E3BDDDB1}"/>
               </a:ext>
             </a:extLst>
           </p:cNvPr>
@@ -1808,7 +1808,7 @@
           <a:bodyPr/>
           <a:lstStyle/>
           <a:p>
-            <a:fld id="{E485503D-1633-4986-A0CD-680B0D0723AE}" type="datetimeFigureOut">
+            <a:fld id="{47535CE9-3D6F-4B1F-8441-BEAF1630C3AE}" type="datetimeFigureOut">
               <a:rPr lang="zh-CN" altLang="en-US" smtClean="0"/>
               <a:t>2024/3/10</a:t>
             </a:fld>
@@ -1821,7 +1821,7 @@
           <p:cNvPr id="8" name="页脚占位符 7">
             <a:extLst>
               <a:ext uri="{FF2B5EF4-FFF2-40B4-BE49-F238E27FC236}">
-                <a16:creationId xmlns:a16="http://schemas.microsoft.com/office/drawing/2014/main" id="{4C00848A-A1A3-CE61-9B51-5CDBFA862FC6}"/>
+                <a16:creationId xmlns:a16="http://schemas.microsoft.com/office/drawing/2014/main" id="{10D0CA4F-7FE5-E4E8-6FB8-0D9F307BCDFD}"/>
               </a:ext>
             </a:extLst>
           </p:cNvPr>
@@ -1846,7 +1846,7 @@
           <p:cNvPr id="9" name="灯片编号占位符 8">
             <a:extLst>
               <a:ext uri="{FF2B5EF4-FFF2-40B4-BE49-F238E27FC236}">
-                <a16:creationId xmlns:a16="http://schemas.microsoft.com/office/drawing/2014/main" id="{2FCBE131-2C65-0578-E2B5-F7C5BD123F9F}"/>
+                <a16:creationId xmlns:a16="http://schemas.microsoft.com/office/drawing/2014/main" id="{DEBA46FD-2E8E-7351-9736-20952DC339BF}"/>
               </a:ext>
             </a:extLst>
           </p:cNvPr>
@@ -1862,7 +1862,7 @@
           <a:bodyPr/>
           <a:lstStyle/>
           <a:p>
-            <a:fld id="{526A03D8-10A9-4CAC-B534-20675579FF6E}" type="slidenum">
+            <a:fld id="{1089BB10-3108-4255-8EC1-D209B2A9CA99}" type="slidenum">
               <a:rPr lang="zh-CN" altLang="en-US" smtClean="0"/>
               <a:t>‹#›</a:t>
             </a:fld>
@@ -1873,7 +1873,7 @@
     </p:spTree>
     <p:extLst>
       <p:ext uri="{BB962C8B-B14F-4D97-AF65-F5344CB8AC3E}">
-        <p14:creationId xmlns:p14="http://schemas.microsoft.com/office/powerpoint/2010/main" val="758706984"/>
+        <p14:creationId xmlns:p14="http://schemas.microsoft.com/office/powerpoint/2010/main" val="541153954"/>
       </p:ext>
     </p:extLst>
   </p:cSld>
@@ -1905,7 +1905,7 @@
           <p:cNvPr id="2" name="标题 1">
             <a:extLst>
               <a:ext uri="{FF2B5EF4-FFF2-40B4-BE49-F238E27FC236}">
-                <a16:creationId xmlns:a16="http://schemas.microsoft.com/office/drawing/2014/main" id="{5991A777-CEF5-723C-09E7-1DB6DBB8292E}"/>
+                <a16:creationId xmlns:a16="http://schemas.microsoft.com/office/drawing/2014/main" id="{945919B3-775F-F360-7342-D74880B32A95}"/>
               </a:ext>
             </a:extLst>
           </p:cNvPr>
@@ -1933,7 +1933,7 @@
           <p:cNvPr id="3" name="日期占位符 2">
             <a:extLst>
               <a:ext uri="{FF2B5EF4-FFF2-40B4-BE49-F238E27FC236}">
-                <a16:creationId xmlns:a16="http://schemas.microsoft.com/office/drawing/2014/main" id="{DD2CB668-F370-0F55-CAA5-F9C8EA87F787}"/>
+                <a16:creationId xmlns:a16="http://schemas.microsoft.com/office/drawing/2014/main" id="{E0DCC0C6-D248-55AE-396A-03FECC49B56C}"/>
               </a:ext>
             </a:extLst>
           </p:cNvPr>
@@ -1949,7 +1949,7 @@
           <a:bodyPr/>
           <a:lstStyle/>
           <a:p>
-            <a:fld id="{E485503D-1633-4986-A0CD-680B0D0723AE}" type="datetimeFigureOut">
+            <a:fld id="{47535CE9-3D6F-4B1F-8441-BEAF1630C3AE}" type="datetimeFigureOut">
               <a:rPr lang="zh-CN" altLang="en-US" smtClean="0"/>
               <a:t>2024/3/10</a:t>
             </a:fld>
@@ -1962,7 +1962,7 @@
           <p:cNvPr id="4" name="页脚占位符 3">
             <a:extLst>
               <a:ext uri="{FF2B5EF4-FFF2-40B4-BE49-F238E27FC236}">
-                <a16:creationId xmlns:a16="http://schemas.microsoft.com/office/drawing/2014/main" id="{E7577C1B-7D98-FC8A-111A-136C64A71F2E}"/>
+                <a16:creationId xmlns:a16="http://schemas.microsoft.com/office/drawing/2014/main" id="{6E50C952-911D-9554-C94C-F2692D6B6C25}"/>
               </a:ext>
             </a:extLst>
           </p:cNvPr>
@@ -1987,7 +1987,7 @@
           <p:cNvPr id="5" name="灯片编号占位符 4">
             <a:extLst>
               <a:ext uri="{FF2B5EF4-FFF2-40B4-BE49-F238E27FC236}">
-                <a16:creationId xmlns:a16="http://schemas.microsoft.com/office/drawing/2014/main" id="{EE4AB199-5964-57F7-3758-697AA42EF6FB}"/>
+                <a16:creationId xmlns:a16="http://schemas.microsoft.com/office/drawing/2014/main" id="{19545125-C71B-6917-266B-E5EBD10BA24E}"/>
               </a:ext>
             </a:extLst>
           </p:cNvPr>
@@ -2003,7 +2003,7 @@
           <a:bodyPr/>
           <a:lstStyle/>
           <a:p>
-            <a:fld id="{526A03D8-10A9-4CAC-B534-20675579FF6E}" type="slidenum">
+            <a:fld id="{1089BB10-3108-4255-8EC1-D209B2A9CA99}" type="slidenum">
               <a:rPr lang="zh-CN" altLang="en-US" smtClean="0"/>
               <a:t>‹#›</a:t>
             </a:fld>
@@ -2014,7 +2014,7 @@
     </p:spTree>
     <p:extLst>
       <p:ext uri="{BB962C8B-B14F-4D97-AF65-F5344CB8AC3E}">
-        <p14:creationId xmlns:p14="http://schemas.microsoft.com/office/powerpoint/2010/main" val="1317547026"/>
+        <p14:creationId xmlns:p14="http://schemas.microsoft.com/office/powerpoint/2010/main" val="3768566405"/>
       </p:ext>
     </p:extLst>
   </p:cSld>
@@ -2046,7 +2046,7 @@
           <p:cNvPr id="2" name="日期占位符 1">
             <a:extLst>
               <a:ext uri="{FF2B5EF4-FFF2-40B4-BE49-F238E27FC236}">
-                <a16:creationId xmlns:a16="http://schemas.microsoft.com/office/drawing/2014/main" id="{B7E32CB1-DF56-26D6-3656-018BC9054D26}"/>
+                <a16:creationId xmlns:a16="http://schemas.microsoft.com/office/drawing/2014/main" id="{847595B7-1ECB-412F-CF9A-036F99ECC463}"/>
               </a:ext>
             </a:extLst>
           </p:cNvPr>
@@ -2062,7 +2062,7 @@
           <a:bodyPr/>
           <a:lstStyle/>
           <a:p>
-            <a:fld id="{E485503D-1633-4986-A0CD-680B0D0723AE}" type="datetimeFigureOut">
+            <a:fld id="{47535CE9-3D6F-4B1F-8441-BEAF1630C3AE}" type="datetimeFigureOut">
               <a:rPr lang="zh-CN" altLang="en-US" smtClean="0"/>
               <a:t>2024/3/10</a:t>
             </a:fld>
@@ -2075,7 +2075,7 @@
           <p:cNvPr id="3" name="页脚占位符 2">
             <a:extLst>
               <a:ext uri="{FF2B5EF4-FFF2-40B4-BE49-F238E27FC236}">
-                <a16:creationId xmlns:a16="http://schemas.microsoft.com/office/drawing/2014/main" id="{A360732A-A3AB-1636-CD32-F7394142E6BC}"/>
+                <a16:creationId xmlns:a16="http://schemas.microsoft.com/office/drawing/2014/main" id="{45552F88-60EF-2470-0A6D-6DC93FBA2298}"/>
               </a:ext>
             </a:extLst>
           </p:cNvPr>
@@ -2100,7 +2100,7 @@
           <p:cNvPr id="4" name="灯片编号占位符 3">
             <a:extLst>
               <a:ext uri="{FF2B5EF4-FFF2-40B4-BE49-F238E27FC236}">
-                <a16:creationId xmlns:a16="http://schemas.microsoft.com/office/drawing/2014/main" id="{6DDA4A95-2B2B-6C5D-CAF2-CD8298A98600}"/>
+                <a16:creationId xmlns:a16="http://schemas.microsoft.com/office/drawing/2014/main" id="{F1165598-B617-07EF-AF64-101D114C72D1}"/>
               </a:ext>
             </a:extLst>
           </p:cNvPr>
@@ -2116,7 +2116,7 @@
           <a:bodyPr/>
           <a:lstStyle/>
           <a:p>
-            <a:fld id="{526A03D8-10A9-4CAC-B534-20675579FF6E}" type="slidenum">
+            <a:fld id="{1089BB10-3108-4255-8EC1-D209B2A9CA99}" type="slidenum">
               <a:rPr lang="zh-CN" altLang="en-US" smtClean="0"/>
               <a:t>‹#›</a:t>
             </a:fld>
@@ -2127,7 +2127,7 @@
     </p:spTree>
     <p:extLst>
       <p:ext uri="{BB962C8B-B14F-4D97-AF65-F5344CB8AC3E}">
-        <p14:creationId xmlns:p14="http://schemas.microsoft.com/office/powerpoint/2010/main" val="3845188566"/>
+        <p14:creationId xmlns:p14="http://schemas.microsoft.com/office/powerpoint/2010/main" val="3824855169"/>
       </p:ext>
     </p:extLst>
   </p:cSld>
@@ -2159,7 +2159,7 @@
           <p:cNvPr id="2" name="标题 1">
             <a:extLst>
               <a:ext uri="{FF2B5EF4-FFF2-40B4-BE49-F238E27FC236}">
-                <a16:creationId xmlns:a16="http://schemas.microsoft.com/office/drawing/2014/main" id="{E2C2EAE7-D728-9399-EE26-9882C15C1C70}"/>
+                <a16:creationId xmlns:a16="http://schemas.microsoft.com/office/drawing/2014/main" id="{136423DB-E8B0-90A4-D187-EACFD6AE038F}"/>
               </a:ext>
             </a:extLst>
           </p:cNvPr>
@@ -2196,7 +2196,7 @@
           <p:cNvPr id="3" name="内容占位符 2">
             <a:extLst>
               <a:ext uri="{FF2B5EF4-FFF2-40B4-BE49-F238E27FC236}">
-                <a16:creationId xmlns:a16="http://schemas.microsoft.com/office/drawing/2014/main" id="{03F5AF34-F5E7-8203-CFB7-8596B7AAFD59}"/>
+                <a16:creationId xmlns:a16="http://schemas.microsoft.com/office/drawing/2014/main" id="{DBEA563B-6116-22FC-6B35-4A0DF6E3E6C4}"/>
               </a:ext>
             </a:extLst>
           </p:cNvPr>
@@ -2286,7 +2286,7 @@
           <p:cNvPr id="4" name="文本占位符 3">
             <a:extLst>
               <a:ext uri="{FF2B5EF4-FFF2-40B4-BE49-F238E27FC236}">
-                <a16:creationId xmlns:a16="http://schemas.microsoft.com/office/drawing/2014/main" id="{B94D0B28-F580-DB01-1717-06BF4C4140F8}"/>
+                <a16:creationId xmlns:a16="http://schemas.microsoft.com/office/drawing/2014/main" id="{CB71A4F3-435F-2388-8B52-7847E58224BB}"/>
               </a:ext>
             </a:extLst>
           </p:cNvPr>
@@ -2357,7 +2357,7 @@
           <p:cNvPr id="5" name="日期占位符 4">
             <a:extLst>
               <a:ext uri="{FF2B5EF4-FFF2-40B4-BE49-F238E27FC236}">
-                <a16:creationId xmlns:a16="http://schemas.microsoft.com/office/drawing/2014/main" id="{C3CE78BC-6EC9-6341-01E4-2202C5D5846D}"/>
+                <a16:creationId xmlns:a16="http://schemas.microsoft.com/office/drawing/2014/main" id="{BE9BAC10-3810-C1D2-11E4-0F1DEC3A8150}"/>
               </a:ext>
             </a:extLst>
           </p:cNvPr>
@@ -2373,7 +2373,7 @@
           <a:bodyPr/>
           <a:lstStyle/>
           <a:p>
-            <a:fld id="{E485503D-1633-4986-A0CD-680B0D0723AE}" type="datetimeFigureOut">
+            <a:fld id="{47535CE9-3D6F-4B1F-8441-BEAF1630C3AE}" type="datetimeFigureOut">
               <a:rPr lang="zh-CN" altLang="en-US" smtClean="0"/>
               <a:t>2024/3/10</a:t>
             </a:fld>
@@ -2386,7 +2386,7 @@
           <p:cNvPr id="6" name="页脚占位符 5">
             <a:extLst>
               <a:ext uri="{FF2B5EF4-FFF2-40B4-BE49-F238E27FC236}">
-                <a16:creationId xmlns:a16="http://schemas.microsoft.com/office/drawing/2014/main" id="{B36D2B56-1D2C-4684-FDE6-D7C09F6DF322}"/>
+                <a16:creationId xmlns:a16="http://schemas.microsoft.com/office/drawing/2014/main" id="{4DC9873F-6F65-D7B8-7EEA-1725B49ECE6F}"/>
               </a:ext>
             </a:extLst>
           </p:cNvPr>
@@ -2411,7 +2411,7 @@
           <p:cNvPr id="7" name="灯片编号占位符 6">
             <a:extLst>
               <a:ext uri="{FF2B5EF4-FFF2-40B4-BE49-F238E27FC236}">
-                <a16:creationId xmlns:a16="http://schemas.microsoft.com/office/drawing/2014/main" id="{099D7C70-E06B-90B4-1076-D90A8FC9755B}"/>
+                <a16:creationId xmlns:a16="http://schemas.microsoft.com/office/drawing/2014/main" id="{A58C04E6-7C39-4656-F09A-3880F38A8762}"/>
               </a:ext>
             </a:extLst>
           </p:cNvPr>
@@ -2427,7 +2427,7 @@
           <a:bodyPr/>
           <a:lstStyle/>
           <a:p>
-            <a:fld id="{526A03D8-10A9-4CAC-B534-20675579FF6E}" type="slidenum">
+            <a:fld id="{1089BB10-3108-4255-8EC1-D209B2A9CA99}" type="slidenum">
               <a:rPr lang="zh-CN" altLang="en-US" smtClean="0"/>
               <a:t>‹#›</a:t>
             </a:fld>
@@ -2438,7 +2438,7 @@
     </p:spTree>
     <p:extLst>
       <p:ext uri="{BB962C8B-B14F-4D97-AF65-F5344CB8AC3E}">
-        <p14:creationId xmlns:p14="http://schemas.microsoft.com/office/powerpoint/2010/main" val="1710267992"/>
+        <p14:creationId xmlns:p14="http://schemas.microsoft.com/office/powerpoint/2010/main" val="1938488034"/>
       </p:ext>
     </p:extLst>
   </p:cSld>
@@ -2470,7 +2470,7 @@
           <p:cNvPr id="2" name="标题 1">
             <a:extLst>
               <a:ext uri="{FF2B5EF4-FFF2-40B4-BE49-F238E27FC236}">
-                <a16:creationId xmlns:a16="http://schemas.microsoft.com/office/drawing/2014/main" id="{E566299B-C9EE-74B1-12EE-F11C442B8298}"/>
+                <a16:creationId xmlns:a16="http://schemas.microsoft.com/office/drawing/2014/main" id="{42E3EFC9-8CA5-7AB0-622D-FE11784DFBC3}"/>
               </a:ext>
             </a:extLst>
           </p:cNvPr>
@@ -2507,7 +2507,7 @@
           <p:cNvPr id="3" name="图片占位符 2">
             <a:extLst>
               <a:ext uri="{FF2B5EF4-FFF2-40B4-BE49-F238E27FC236}">
-                <a16:creationId xmlns:a16="http://schemas.microsoft.com/office/drawing/2014/main" id="{4497A3B2-F075-030A-579F-B860D7536308}"/>
+                <a16:creationId xmlns:a16="http://schemas.microsoft.com/office/drawing/2014/main" id="{DB46CA54-83F4-9185-1F47-608109703531}"/>
               </a:ext>
             </a:extLst>
           </p:cNvPr>
@@ -2574,7 +2574,7 @@
           <p:cNvPr id="4" name="文本占位符 3">
             <a:extLst>
               <a:ext uri="{FF2B5EF4-FFF2-40B4-BE49-F238E27FC236}">
-                <a16:creationId xmlns:a16="http://schemas.microsoft.com/office/drawing/2014/main" id="{97E6FE8C-0578-D8E9-3E94-19F1CE633716}"/>
+                <a16:creationId xmlns:a16="http://schemas.microsoft.com/office/drawing/2014/main" id="{A9B1BEC1-AA45-5B52-5266-3A959609FAB2}"/>
               </a:ext>
             </a:extLst>
           </p:cNvPr>
@@ -2645,7 +2645,7 @@
           <p:cNvPr id="5" name="日期占位符 4">
             <a:extLst>
               <a:ext uri="{FF2B5EF4-FFF2-40B4-BE49-F238E27FC236}">
-                <a16:creationId xmlns:a16="http://schemas.microsoft.com/office/drawing/2014/main" id="{22804E90-E116-5480-141B-934F2CB1C99C}"/>
+                <a16:creationId xmlns:a16="http://schemas.microsoft.com/office/drawing/2014/main" id="{701EC102-3004-A88F-67DE-EDA1366FAE08}"/>
               </a:ext>
             </a:extLst>
           </p:cNvPr>
@@ -2661,7 +2661,7 @@
           <a:bodyPr/>
           <a:lstStyle/>
           <a:p>
-            <a:fld id="{E485503D-1633-4986-A0CD-680B0D0723AE}" type="datetimeFigureOut">
+            <a:fld id="{47535CE9-3D6F-4B1F-8441-BEAF1630C3AE}" type="datetimeFigureOut">
               <a:rPr lang="zh-CN" altLang="en-US" smtClean="0"/>
               <a:t>2024/3/10</a:t>
             </a:fld>
@@ -2674,7 +2674,7 @@
           <p:cNvPr id="6" name="页脚占位符 5">
             <a:extLst>
               <a:ext uri="{FF2B5EF4-FFF2-40B4-BE49-F238E27FC236}">
-                <a16:creationId xmlns:a16="http://schemas.microsoft.com/office/drawing/2014/main" id="{40695D5C-7C59-BD6A-6515-C317B9BE044D}"/>
+                <a16:creationId xmlns:a16="http://schemas.microsoft.com/office/drawing/2014/main" id="{5B3C57CA-C17E-49FC-BE88-676823DADBC3}"/>
               </a:ext>
             </a:extLst>
           </p:cNvPr>
@@ -2699,7 +2699,7 @@
           <p:cNvPr id="7" name="灯片编号占位符 6">
             <a:extLst>
               <a:ext uri="{FF2B5EF4-FFF2-40B4-BE49-F238E27FC236}">
-                <a16:creationId xmlns:a16="http://schemas.microsoft.com/office/drawing/2014/main" id="{7E933B43-F85A-8D0F-95E2-7A81936F8017}"/>
+                <a16:creationId xmlns:a16="http://schemas.microsoft.com/office/drawing/2014/main" id="{E0A4925C-35E5-9D7C-66A0-A0C2E2090A67}"/>
               </a:ext>
             </a:extLst>
           </p:cNvPr>
@@ -2715,7 +2715,7 @@
           <a:bodyPr/>
           <a:lstStyle/>
           <a:p>
-            <a:fld id="{526A03D8-10A9-4CAC-B534-20675579FF6E}" type="slidenum">
+            <a:fld id="{1089BB10-3108-4255-8EC1-D209B2A9CA99}" type="slidenum">
               <a:rPr lang="zh-CN" altLang="en-US" smtClean="0"/>
               <a:t>‹#›</a:t>
             </a:fld>
@@ -2726,7 +2726,7 @@
     </p:spTree>
     <p:extLst>
       <p:ext uri="{BB962C8B-B14F-4D97-AF65-F5344CB8AC3E}">
-        <p14:creationId xmlns:p14="http://schemas.microsoft.com/office/powerpoint/2010/main" val="3706837356"/>
+        <p14:creationId xmlns:p14="http://schemas.microsoft.com/office/powerpoint/2010/main" val="4041273667"/>
       </p:ext>
     </p:extLst>
   </p:cSld>
@@ -2763,7 +2763,7 @@
           <p:cNvPr id="2" name="标题占位符 1">
             <a:extLst>
               <a:ext uri="{FF2B5EF4-FFF2-40B4-BE49-F238E27FC236}">
-                <a16:creationId xmlns:a16="http://schemas.microsoft.com/office/drawing/2014/main" id="{54156E20-5855-C6AC-1F73-94140ADB8FCC}"/>
+                <a16:creationId xmlns:a16="http://schemas.microsoft.com/office/drawing/2014/main" id="{4E188996-E494-CA3F-C81F-4B2BDCD1CD50}"/>
               </a:ext>
             </a:extLst>
           </p:cNvPr>
@@ -2801,7 +2801,7 @@
           <p:cNvPr id="3" name="文本占位符 2">
             <a:extLst>
               <a:ext uri="{FF2B5EF4-FFF2-40B4-BE49-F238E27FC236}">
-                <a16:creationId xmlns:a16="http://schemas.microsoft.com/office/drawing/2014/main" id="{4C20ADF2-BCD6-B419-F039-D785855182CD}"/>
+                <a16:creationId xmlns:a16="http://schemas.microsoft.com/office/drawing/2014/main" id="{B4DF9988-5501-205C-13CF-A5DA35CE520B}"/>
               </a:ext>
             </a:extLst>
           </p:cNvPr>
@@ -2868,7 +2868,7 @@
           <p:cNvPr id="4" name="日期占位符 3">
             <a:extLst>
               <a:ext uri="{FF2B5EF4-FFF2-40B4-BE49-F238E27FC236}">
-                <a16:creationId xmlns:a16="http://schemas.microsoft.com/office/drawing/2014/main" id="{DCAE2AA9-3FB1-FEB9-015C-F1B2B9D16D5E}"/>
+                <a16:creationId xmlns:a16="http://schemas.microsoft.com/office/drawing/2014/main" id="{8CD3D2DB-8E25-6CE4-C3A4-4F346CA2703F}"/>
               </a:ext>
             </a:extLst>
           </p:cNvPr>
@@ -2902,7 +2902,7 @@
             </a:lvl1pPr>
           </a:lstStyle>
           <a:p>
-            <a:fld id="{E485503D-1633-4986-A0CD-680B0D0723AE}" type="datetimeFigureOut">
+            <a:fld id="{47535CE9-3D6F-4B1F-8441-BEAF1630C3AE}" type="datetimeFigureOut">
               <a:rPr lang="zh-CN" altLang="en-US" smtClean="0"/>
               <a:t>2024/3/10</a:t>
             </a:fld>
@@ -2915,7 +2915,7 @@
           <p:cNvPr id="5" name="页脚占位符 4">
             <a:extLst>
               <a:ext uri="{FF2B5EF4-FFF2-40B4-BE49-F238E27FC236}">
-                <a16:creationId xmlns:a16="http://schemas.microsoft.com/office/drawing/2014/main" id="{5521E82B-F7EA-1CD7-96F5-C4224DE5117E}"/>
+                <a16:creationId xmlns:a16="http://schemas.microsoft.com/office/drawing/2014/main" id="{C2BF5DD6-5B1F-A749-3A8B-C8022BB961E6}"/>
               </a:ext>
             </a:extLst>
           </p:cNvPr>
@@ -2958,7 +2958,7 @@
           <p:cNvPr id="6" name="灯片编号占位符 5">
             <a:extLst>
               <a:ext uri="{FF2B5EF4-FFF2-40B4-BE49-F238E27FC236}">
-                <a16:creationId xmlns:a16="http://schemas.microsoft.com/office/drawing/2014/main" id="{C412B184-D3A8-9483-B4B7-9837B3028DAB}"/>
+                <a16:creationId xmlns:a16="http://schemas.microsoft.com/office/drawing/2014/main" id="{006C0C9D-F151-5404-4AD9-2FCFE723DC68}"/>
               </a:ext>
             </a:extLst>
           </p:cNvPr>
@@ -2992,7 +2992,7 @@
             </a:lvl1pPr>
           </a:lstStyle>
           <a:p>
-            <a:fld id="{526A03D8-10A9-4CAC-B534-20675579FF6E}" type="slidenum">
+            <a:fld id="{1089BB10-3108-4255-8EC1-D209B2A9CA99}" type="slidenum">
               <a:rPr lang="zh-CN" altLang="en-US" smtClean="0"/>
               <a:t>‹#›</a:t>
             </a:fld>
@@ -3003,7 +3003,7 @@
     </p:spTree>
     <p:extLst>
       <p:ext uri="{BB962C8B-B14F-4D97-AF65-F5344CB8AC3E}">
-        <p14:creationId xmlns:p14="http://schemas.microsoft.com/office/powerpoint/2010/main" val="4001231565"/>
+        <p14:creationId xmlns:p14="http://schemas.microsoft.com/office/powerpoint/2010/main" val="997549642"/>
       </p:ext>
     </p:extLst>
   </p:cSld>
@@ -3323,7 +3323,7 @@
       </p:grpSpPr>
       <p:pic>
         <p:nvPicPr>
-          <p:cNvPr id="867330" name="Picture 2" descr="846"/>
+          <p:cNvPr id="868354" name="Picture 2" descr="847"/>
           <p:cNvPicPr>
             <a:picLocks noChangeAspect="1" noChangeArrowheads="1"/>
           </p:cNvPicPr>
@@ -3344,8 +3344,8 @@
         </p:blipFill>
         <p:spPr bwMode="auto">
           <a:xfrm>
-            <a:off x="1524000" y="1"/>
-            <a:ext cx="9144000" cy="6092825"/>
+            <a:off x="1524000" y="0"/>
+            <a:ext cx="9144000" cy="6858000"/>
           </a:xfrm>
           <a:prstGeom prst="rect">
             <a:avLst/>
@@ -3375,11 +3375,158 @@
           </a:extLst>
         </p:spPr>
       </p:pic>
+      <p:pic>
+        <p:nvPicPr>
+          <p:cNvPr id="869379" name="Picture 3" descr="847-2"/>
+          <p:cNvPicPr>
+            <a:picLocks noChangeAspect="1" noChangeArrowheads="1"/>
+          </p:cNvPicPr>
+          <p:nvPr/>
+        </p:nvPicPr>
+        <p:blipFill>
+          <a:blip r:embed="rId3">
+            <a:extLst>
+              <a:ext uri="{28A0092B-C50C-407E-A947-70E740481C1C}">
+                <a14:useLocalDpi xmlns:a14="http://schemas.microsoft.com/office/drawing/2010/main" val="0"/>
+              </a:ext>
+            </a:extLst>
+          </a:blip>
+          <a:srcRect/>
+          <a:stretch>
+            <a:fillRect/>
+          </a:stretch>
+        </p:blipFill>
+        <p:spPr bwMode="auto">
+          <a:xfrm>
+            <a:off x="1524000" y="0"/>
+            <a:ext cx="9144000" cy="6858000"/>
+          </a:xfrm>
+          <a:prstGeom prst="rect">
+            <a:avLst/>
+          </a:prstGeom>
+          <a:noFill/>
+          <a:ln>
+            <a:noFill/>
+          </a:ln>
+          <a:effectLst/>
+          <a:extLst>
+            <a:ext uri="{909E8E84-426E-40DD-AFC4-6F175D3DCCD1}">
+              <a14:hiddenFill xmlns:a14="http://schemas.microsoft.com/office/drawing/2010/main">
+                <a:solidFill>
+                  <a:srgbClr val="FFFFFF"/>
+                </a:solidFill>
+              </a14:hiddenFill>
+            </a:ext>
+            <a:ext uri="{91240B29-F687-4F45-9708-019B960494DF}">
+              <a14:hiddenLine xmlns:a14="http://schemas.microsoft.com/office/drawing/2010/main" w="9525">
+                <a:solidFill>
+                  <a:srgbClr val="000000"/>
+                </a:solidFill>
+                <a:miter lim="800000"/>
+                <a:headEnd/>
+                <a:tailEnd/>
+              </a14:hiddenLine>
+            </a:ext>
+            <a:ext uri="{AF507438-7753-43E0-B8FC-AC1667EBCBE1}">
+              <a14:hiddenEffects xmlns:a14="http://schemas.microsoft.com/office/drawing/2010/main">
+                <a:effectLst>
+                  <a:outerShdw dist="35921" dir="2700000" algn="ctr" rotWithShape="0">
+                    <a:srgbClr val="808080"/>
+                  </a:outerShdw>
+                </a:effectLst>
+              </a14:hiddenEffects>
+            </a:ext>
+          </a:extLst>
+        </p:spPr>
+      </p:pic>
     </p:spTree>
   </p:cSld>
   <p:clrMapOvr>
     <a:masterClrMapping/>
   </p:clrMapOvr>
+  <p:timing>
+    <p:tnLst>
+      <p:par>
+        <p:cTn id="1" dur="indefinite" restart="never" nodeType="tmRoot">
+          <p:childTnLst>
+            <p:seq concurrent="1" nextAc="seek">
+              <p:cTn id="2" dur="indefinite" nodeType="mainSeq">
+                <p:childTnLst>
+                  <p:par>
+                    <p:cTn id="3" fill="hold" nodeType="clickPar">
+                      <p:stCondLst>
+                        <p:cond delay="indefinite"/>
+                      </p:stCondLst>
+                      <p:childTnLst>
+                        <p:par>
+                          <p:cTn id="4" fill="hold" nodeType="withGroup">
+                            <p:stCondLst>
+                              <p:cond delay="0"/>
+                            </p:stCondLst>
+                            <p:childTnLst>
+                              <p:par>
+                                <p:cTn id="5" presetID="10" presetClass="entr" presetSubtype="0" fill="hold" nodeType="clickEffect">
+                                  <p:stCondLst>
+                                    <p:cond delay="0"/>
+                                  </p:stCondLst>
+                                  <p:childTnLst>
+                                    <p:set>
+                                      <p:cBhvr>
+                                        <p:cTn id="6" dur="1" fill="hold">
+                                          <p:stCondLst>
+                                            <p:cond delay="0"/>
+                                          </p:stCondLst>
+                                        </p:cTn>
+                                        <p:tgtEl>
+                                          <p:spTgt spid="869379"/>
+                                        </p:tgtEl>
+                                        <p:attrNameLst>
+                                          <p:attrName>style.visibility</p:attrName>
+                                        </p:attrNameLst>
+                                      </p:cBhvr>
+                                      <p:to>
+                                        <p:strVal val="visible"/>
+                                      </p:to>
+                                    </p:set>
+                                    <p:animEffect transition="in" filter="fade">
+                                      <p:cBhvr>
+                                        <p:cTn id="7" dur="500"/>
+                                        <p:tgtEl>
+                                          <p:spTgt spid="869379"/>
+                                        </p:tgtEl>
+                                      </p:cBhvr>
+                                    </p:animEffect>
+                                  </p:childTnLst>
+                                </p:cTn>
+                              </p:par>
+                            </p:childTnLst>
+                          </p:cTn>
+                        </p:par>
+                      </p:childTnLst>
+                    </p:cTn>
+                  </p:par>
+                </p:childTnLst>
+              </p:cTn>
+              <p:prevCondLst>
+                <p:cond evt="onPrev" delay="0">
+                  <p:tgtEl>
+                    <p:sldTgt/>
+                  </p:tgtEl>
+                </p:cond>
+              </p:prevCondLst>
+              <p:nextCondLst>
+                <p:cond evt="onNext" delay="0">
+                  <p:tgtEl>
+                    <p:sldTgt/>
+                  </p:tgtEl>
+                </p:cond>
+              </p:nextCondLst>
+            </p:seq>
+          </p:childTnLst>
+        </p:cTn>
+      </p:par>
+    </p:tnLst>
+  </p:timing>
 </p:sld>
 </file>
 
